--- a/presentations/190402_crops/herzmann_crops.pptx
+++ b/presentations/190402_crops/herzmann_crops.pptx
@@ -339,7 +339,7 @@
           <a:p>
             <a:fld id="{3BD50B7D-C3EF-447F-85F2-274978BBC904}" type="datetimeFigureOut">
               <a:rPr lang="en-US" smtClean="0"/>
-              <a:t>4/1/2019</a:t>
+              <a:t>4/2/2019</a:t>
             </a:fld>
             <a:endParaRPr lang="en-US"/>
           </a:p>
@@ -507,7 +507,7 @@
           <a:p>
             <a:fld id="{3BD50B7D-C3EF-447F-85F2-274978BBC904}" type="datetimeFigureOut">
               <a:rPr lang="en-US" smtClean="0"/>
-              <a:t>4/1/2019</a:t>
+              <a:t>4/2/2019</a:t>
             </a:fld>
             <a:endParaRPr lang="en-US"/>
           </a:p>
@@ -685,7 +685,7 @@
           <a:p>
             <a:fld id="{3BD50B7D-C3EF-447F-85F2-274978BBC904}" type="datetimeFigureOut">
               <a:rPr lang="en-US" smtClean="0"/>
-              <a:t>4/1/2019</a:t>
+              <a:t>4/2/2019</a:t>
             </a:fld>
             <a:endParaRPr lang="en-US"/>
           </a:p>
@@ -853,7 +853,7 @@
           <a:p>
             <a:fld id="{3BD50B7D-C3EF-447F-85F2-274978BBC904}" type="datetimeFigureOut">
               <a:rPr lang="en-US" smtClean="0"/>
-              <a:t>4/1/2019</a:t>
+              <a:t>4/2/2019</a:t>
             </a:fld>
             <a:endParaRPr lang="en-US"/>
           </a:p>
@@ -1098,7 +1098,7 @@
           <a:p>
             <a:fld id="{3BD50B7D-C3EF-447F-85F2-274978BBC904}" type="datetimeFigureOut">
               <a:rPr lang="en-US" smtClean="0"/>
-              <a:t>4/1/2019</a:t>
+              <a:t>4/2/2019</a:t>
             </a:fld>
             <a:endParaRPr lang="en-US"/>
           </a:p>
@@ -1383,7 +1383,7 @@
           <a:p>
             <a:fld id="{3BD50B7D-C3EF-447F-85F2-274978BBC904}" type="datetimeFigureOut">
               <a:rPr lang="en-US" smtClean="0"/>
-              <a:t>4/1/2019</a:t>
+              <a:t>4/2/2019</a:t>
             </a:fld>
             <a:endParaRPr lang="en-US"/>
           </a:p>
@@ -1802,7 +1802,7 @@
           <a:p>
             <a:fld id="{3BD50B7D-C3EF-447F-85F2-274978BBC904}" type="datetimeFigureOut">
               <a:rPr lang="en-US" smtClean="0"/>
-              <a:t>4/1/2019</a:t>
+              <a:t>4/2/2019</a:t>
             </a:fld>
             <a:endParaRPr lang="en-US"/>
           </a:p>
@@ -1919,7 +1919,7 @@
           <a:p>
             <a:fld id="{3BD50B7D-C3EF-447F-85F2-274978BBC904}" type="datetimeFigureOut">
               <a:rPr lang="en-US" smtClean="0"/>
-              <a:t>4/1/2019</a:t>
+              <a:t>4/2/2019</a:t>
             </a:fld>
             <a:endParaRPr lang="en-US"/>
           </a:p>
@@ -2014,7 +2014,7 @@
           <a:p>
             <a:fld id="{3BD50B7D-C3EF-447F-85F2-274978BBC904}" type="datetimeFigureOut">
               <a:rPr lang="en-US" smtClean="0"/>
-              <a:t>4/1/2019</a:t>
+              <a:t>4/2/2019</a:t>
             </a:fld>
             <a:endParaRPr lang="en-US"/>
           </a:p>
@@ -2289,7 +2289,7 @@
           <a:p>
             <a:fld id="{3BD50B7D-C3EF-447F-85F2-274978BBC904}" type="datetimeFigureOut">
               <a:rPr lang="en-US" smtClean="0"/>
-              <a:t>4/1/2019</a:t>
+              <a:t>4/2/2019</a:t>
             </a:fld>
             <a:endParaRPr lang="en-US"/>
           </a:p>
@@ -2541,7 +2541,7 @@
           <a:p>
             <a:fld id="{3BD50B7D-C3EF-447F-85F2-274978BBC904}" type="datetimeFigureOut">
               <a:rPr lang="en-US" smtClean="0"/>
-              <a:t>4/1/2019</a:t>
+              <a:t>4/2/2019</a:t>
             </a:fld>
             <a:endParaRPr lang="en-US"/>
           </a:p>
@@ -2752,7 +2752,7 @@
           <a:p>
             <a:fld id="{3BD50B7D-C3EF-447F-85F2-274978BBC904}" type="datetimeFigureOut">
               <a:rPr lang="en-US" smtClean="0"/>
-              <a:t>4/1/2019</a:t>
+              <a:t>4/2/2019</a:t>
             </a:fld>
             <a:endParaRPr lang="en-US"/>
           </a:p>
@@ -3288,7 +3288,7 @@
             <p:ph sz="half" idx="1"/>
           </p:nvPr>
         </p:nvPicPr>
-        <p:blipFill rotWithShape="1">
+        <p:blipFill>
           <a:blip r:embed="rId2">
             <a:extLst>
               <a:ext uri="{28A0092B-C50C-407E-A947-70E740481C1C}">
@@ -3296,13 +3296,14 @@
               </a:ext>
             </a:extLst>
           </a:blip>
-          <a:srcRect t="39400" r="26415"/>
-          <a:stretch/>
+          <a:stretch>
+            <a:fillRect/>
+          </a:stretch>
         </p:blipFill>
         <p:spPr>
           <a:xfrm>
-            <a:off x="457199" y="2209800"/>
-            <a:ext cx="4078261" cy="2808622"/>
+            <a:off x="457199" y="2291432"/>
+            <a:ext cx="4078261" cy="2645358"/>
           </a:xfrm>
         </p:spPr>
       </p:pic>
@@ -5623,36 +5624,6 @@
           <a:chExt cx="0" cy="0"/>
         </a:xfrm>
       </p:grpSpPr>
-      <p:pic>
-        <p:nvPicPr>
-          <p:cNvPr id="8" name="Picture 7"/>
-          <p:cNvPicPr>
-            <a:picLocks noChangeAspect="1"/>
-          </p:cNvPicPr>
-          <p:nvPr/>
-        </p:nvPicPr>
-        <p:blipFill>
-          <a:blip r:embed="rId2">
-            <a:extLst>
-              <a:ext uri="{28A0092B-C50C-407E-A947-70E740481C1C}">
-                <a14:useLocalDpi xmlns:a14="http://schemas.microsoft.com/office/drawing/2010/main" val="0"/>
-              </a:ext>
-            </a:extLst>
-          </a:blip>
-          <a:stretch>
-            <a:fillRect/>
-          </a:stretch>
-        </p:blipFill>
-        <p:spPr>
-          <a:xfrm rot="1350614">
-            <a:off x="7286952" y="3404554"/>
-            <a:ext cx="1524059" cy="2032079"/>
-          </a:xfrm>
-          <a:prstGeom prst="rect">
-            <a:avLst/>
-          </a:prstGeom>
-        </p:spPr>
-      </p:pic>
       <p:sp>
         <p:nvSpPr>
           <p:cNvPr id="28" name="Oval 27"/>
@@ -5661,8 +5632,8 @@
         </p:nvSpPr>
         <p:spPr>
           <a:xfrm>
-            <a:off x="-259248" y="4181332"/>
-            <a:ext cx="9555648" cy="4429267"/>
+            <a:off x="-259248" y="3262490"/>
+            <a:ext cx="9555648" cy="5348110"/>
           </a:xfrm>
           <a:prstGeom prst="ellipse">
             <a:avLst/>
@@ -5707,7 +5678,7 @@
           <p:nvPr/>
         </p:nvPicPr>
         <p:blipFill>
-          <a:blip r:embed="rId3" cstate="print">
+          <a:blip r:embed="rId2" cstate="print">
             <a:extLst>
               <a:ext uri="{28A0092B-C50C-407E-A947-70E740481C1C}">
                 <a14:useLocalDpi xmlns:a14="http://schemas.microsoft.com/office/drawing/2010/main" val="0"/>
@@ -5758,8 +5729,8 @@
         </p:nvSpPr>
         <p:spPr>
           <a:xfrm>
-            <a:off x="0" y="4572000"/>
-            <a:ext cx="9144000" cy="3657600"/>
+            <a:off x="420130" y="4572000"/>
+            <a:ext cx="8455550" cy="3657600"/>
           </a:xfrm>
           <a:prstGeom prst="ellipse">
             <a:avLst/>
@@ -5798,7 +5769,7 @@
         </p:nvSpPr>
         <p:spPr>
           <a:xfrm>
-            <a:off x="2983904" y="5477712"/>
+            <a:off x="2925223" y="5491268"/>
             <a:ext cx="3645870" cy="523220"/>
           </a:xfrm>
           <a:prstGeom prst="rect">
@@ -5865,7 +5836,7 @@
         <p:spPr>
           <a:xfrm>
             <a:off x="420130" y="2434281"/>
-            <a:ext cx="7092778" cy="1433384"/>
+            <a:ext cx="7006534" cy="1922108"/>
           </a:xfrm>
           <a:custGeom>
             <a:avLst/>
@@ -6678,7 +6649,7 @@
         <p:spPr>
           <a:xfrm>
             <a:off x="956203" y="2532352"/>
-            <a:ext cx="7092778" cy="1433384"/>
+            <a:ext cx="6276546" cy="1972316"/>
           </a:xfrm>
           <a:custGeom>
             <a:avLst/>
@@ -7491,7 +7462,7 @@
           <p:nvPr/>
         </p:nvPicPr>
         <p:blipFill>
-          <a:blip r:embed="rId4" cstate="print">
+          <a:blip r:embed="rId3" cstate="print">
             <a:extLst>
               <a:ext uri="{28A0092B-C50C-407E-A947-70E740481C1C}">
                 <a14:useLocalDpi xmlns:a14="http://schemas.microsoft.com/office/drawing/2010/main" val="0"/>
@@ -7747,6 +7718,36 @@
           </a:p>
         </p:txBody>
       </p:sp>
+      <p:pic>
+        <p:nvPicPr>
+          <p:cNvPr id="8" name="Picture 7"/>
+          <p:cNvPicPr>
+            <a:picLocks noChangeAspect="1"/>
+          </p:cNvPicPr>
+          <p:nvPr/>
+        </p:nvPicPr>
+        <p:blipFill>
+          <a:blip r:embed="rId4">
+            <a:extLst>
+              <a:ext uri="{28A0092B-C50C-407E-A947-70E740481C1C}">
+                <a14:useLocalDpi xmlns:a14="http://schemas.microsoft.com/office/drawing/2010/main" val="0"/>
+              </a:ext>
+            </a:extLst>
+          </a:blip>
+          <a:stretch>
+            <a:fillRect/>
+          </a:stretch>
+        </p:blipFill>
+        <p:spPr>
+          <a:xfrm rot="1350614">
+            <a:off x="7205772" y="4083877"/>
+            <a:ext cx="1524059" cy="1065206"/>
+          </a:xfrm>
+          <a:prstGeom prst="rect">
+            <a:avLst/>
+          </a:prstGeom>
+        </p:spPr>
+      </p:pic>
     </p:spTree>
     <p:extLst>
       <p:ext uri="{BB962C8B-B14F-4D97-AF65-F5344CB8AC3E}">
